--- a/FLIGHTSYSTEM.pptx
+++ b/FLIGHTSYSTEM.pptx
@@ -108,6 +108,11 @@
       </a:defRPr>
     </a:lvl9pPr>
   </p:defaultTextStyle>
+  <p:extLst>
+    <p:ext uri="{EFAFB233-063F-42B5-8137-9DF3F51BA10A}">
+      <p15:sldGuideLst xmlns:p15="http://schemas.microsoft.com/office/powerpoint/2012/main"/>
+    </p:ext>
+  </p:extLst>
 </p:presentation>
 </file>
 
@@ -20595,6 +20600,13 @@
   <p:clrMapOvr>
     <a:masterClrMapping/>
   </p:clrMapOvr>
+  <p:timing>
+    <p:tnLst>
+      <p:par>
+        <p:cTn id="1" dur="indefinite" restart="never" nodeType="tmRoot"/>
+      </p:par>
+    </p:tnLst>
+  </p:timing>
 </p:sld>
 </file>
 
@@ -20671,6 +20683,13 @@
   <p:clrMapOvr>
     <a:masterClrMapping/>
   </p:clrMapOvr>
+  <p:timing>
+    <p:tnLst>
+      <p:par>
+        <p:cTn id="1" dur="indefinite" restart="never" nodeType="tmRoot"/>
+      </p:par>
+    </p:tnLst>
+  </p:timing>
 </p:sld>
 </file>
 
@@ -20796,6 +20815,13 @@
   <p:clrMapOvr>
     <a:masterClrMapping/>
   </p:clrMapOvr>
+  <p:timing>
+    <p:tnLst>
+      <p:par>
+        <p:cTn id="1" dur="indefinite" restart="never" nodeType="tmRoot"/>
+      </p:par>
+    </p:tnLst>
+  </p:timing>
 </p:sld>
 </file>
 
@@ -21103,6 +21129,105 @@
           </a:prstGeom>
         </p:spPr>
       </p:pic>
+      <p:sp>
+        <p:nvSpPr>
+          <p:cNvPr id="3" name="TextBox 2"/>
+          <p:cNvSpPr txBox="1"/>
+          <p:nvPr/>
+        </p:nvSpPr>
+        <p:spPr>
+          <a:xfrm>
+            <a:off x="773817" y="4328389"/>
+            <a:ext cx="1198548" cy="646331"/>
+          </a:xfrm>
+          <a:prstGeom prst="rect">
+            <a:avLst/>
+          </a:prstGeom>
+          <a:noFill/>
+        </p:spPr>
+        <p:txBody>
+          <a:bodyPr wrap="square" rtlCol="0">
+            <a:spAutoFit/>
+          </a:bodyPr>
+          <a:lstStyle/>
+          <a:p>
+            <a:r>
+              <a:rPr lang="sv-SE" dirty="0" smtClean="0"/>
+              <a:t>Interface?</a:t>
+            </a:r>
+          </a:p>
+          <a:p>
+            <a:r>
+              <a:rPr lang="sv-SE" dirty="0" smtClean="0"/>
+              <a:t>Abstract?</a:t>
+            </a:r>
+            <a:endParaRPr lang="sv-SE" dirty="0"/>
+          </a:p>
+        </p:txBody>
+      </p:sp>
+      <p:sp>
+        <p:nvSpPr>
+          <p:cNvPr id="4" name="Rectangle 3"/>
+          <p:cNvSpPr/>
+          <p:nvPr/>
+        </p:nvSpPr>
+        <p:spPr>
+          <a:xfrm>
+            <a:off x="5123040" y="6004492"/>
+            <a:ext cx="2749855" cy="646331"/>
+          </a:xfrm>
+          <a:prstGeom prst="rect">
+            <a:avLst/>
+          </a:prstGeom>
+        </p:spPr>
+        <p:txBody>
+          <a:bodyPr wrap="none">
+            <a:spAutoFit/>
+          </a:bodyPr>
+          <a:lstStyle/>
+          <a:p>
+            <a:r>
+              <a:rPr lang="sv-SE" dirty="0" err="1" smtClean="0"/>
+              <a:t>Thread</a:t>
+            </a:r>
+            <a:r>
+              <a:rPr lang="sv-SE" dirty="0" smtClean="0"/>
+              <a:t>, status </a:t>
+            </a:r>
+            <a:r>
+              <a:rPr lang="sv-SE" dirty="0" err="1" smtClean="0"/>
+              <a:t>of</a:t>
+            </a:r>
+            <a:r>
+              <a:rPr lang="sv-SE" dirty="0" smtClean="0"/>
+              <a:t> flight</a:t>
+            </a:r>
+          </a:p>
+          <a:p>
+            <a:r>
+              <a:rPr lang="sv-SE" dirty="0" err="1" smtClean="0"/>
+              <a:t>Take</a:t>
+            </a:r>
+            <a:r>
+              <a:rPr lang="sv-SE" dirty="0" smtClean="0"/>
+              <a:t> off switch </a:t>
+            </a:r>
+            <a:r>
+              <a:rPr lang="sv-SE" dirty="0" err="1" smtClean="0"/>
+              <a:t>origion</a:t>
+            </a:r>
+            <a:r>
+              <a:rPr lang="sv-SE" dirty="0" smtClean="0"/>
+              <a:t>/</a:t>
+            </a:r>
+            <a:r>
+              <a:rPr lang="sv-SE" dirty="0" err="1" smtClean="0"/>
+              <a:t>dest</a:t>
+            </a:r>
+            <a:endParaRPr lang="sv-SE" dirty="0"/>
+          </a:p>
+        </p:txBody>
+      </p:sp>
     </p:spTree>
     <p:extLst>
       <p:ext uri="{BB962C8B-B14F-4D97-AF65-F5344CB8AC3E}">

--- a/FLIGHTSYSTEM.pptx
+++ b/FLIGHTSYSTEM.pptx
@@ -6,10 +6,9 @@
   </p:sldMasterIdLst>
   <p:sldIdLst>
     <p:sldId id="256" r:id="rId2"/>
-    <p:sldId id="257" r:id="rId3"/>
-    <p:sldId id="258" r:id="rId4"/>
-    <p:sldId id="259" r:id="rId5"/>
-    <p:sldId id="260" r:id="rId6"/>
+    <p:sldId id="258" r:id="rId3"/>
+    <p:sldId id="262" r:id="rId4"/>
+    <p:sldId id="260" r:id="rId5"/>
   </p:sldIdLst>
   <p:sldSz cx="12192000" cy="6858000"/>
   <p:notesSz cx="6858000" cy="9144000"/>
@@ -8909,7 +8908,7 @@
           <a:p>
             <a:fld id="{6AD6EE87-EBD5-4F12-A48A-63ACA297AC8F}" type="datetimeFigureOut">
               <a:rPr lang="en-US" dirty="0"/>
-              <a:t>11/17/2017</a:t>
+              <a:t>11/20/2017</a:t>
             </a:fld>
             <a:endParaRPr lang="en-US" dirty="0"/>
           </a:p>
@@ -9111,7 +9110,7 @@
           <a:p>
             <a:fld id="{4CD73815-2707-4475-8F1A-B873CB631BB4}" type="datetimeFigureOut">
               <a:rPr lang="en-US" dirty="0"/>
-              <a:t>11/17/2017</a:t>
+              <a:t>11/20/2017</a:t>
             </a:fld>
             <a:endParaRPr lang="en-US" dirty="0"/>
           </a:p>
@@ -9286,7 +9285,7 @@
           <a:p>
             <a:fld id="{2A4AFB99-0EAB-4182-AFF8-E214C82A68F6}" type="datetimeFigureOut">
               <a:rPr lang="en-US" dirty="0"/>
-              <a:t>11/17/2017</a:t>
+              <a:t>11/20/2017</a:t>
             </a:fld>
             <a:endParaRPr lang="en-US" dirty="0"/>
           </a:p>
@@ -9486,7 +9485,7 @@
           <a:p>
             <a:fld id="{A5D3794B-289A-4A80-97D7-111025398D45}" type="datetimeFigureOut">
               <a:rPr lang="en-US" dirty="0"/>
-              <a:t>11/17/2017</a:t>
+              <a:t>11/20/2017</a:t>
             </a:fld>
             <a:endParaRPr lang="en-US" dirty="0"/>
           </a:p>
@@ -18379,7 +18378,7 @@
           <a:p>
             <a:fld id="{5A61015F-7CC6-4D0A-9D87-873EA4C304CC}" type="datetimeFigureOut">
               <a:rPr lang="en-US" dirty="0"/>
-              <a:t>11/17/2017</a:t>
+              <a:t>11/20/2017</a:t>
             </a:fld>
             <a:endParaRPr lang="en-US" dirty="0"/>
           </a:p>
@@ -18648,7 +18647,7 @@
           <a:p>
             <a:fld id="{93C6A301-0538-44EC-B09D-202E1042A48B}" type="datetimeFigureOut">
               <a:rPr lang="en-US" dirty="0"/>
-              <a:t>11/17/2017</a:t>
+              <a:t>11/20/2017</a:t>
             </a:fld>
             <a:endParaRPr lang="en-US" dirty="0"/>
           </a:p>
@@ -19041,7 +19040,7 @@
           <a:p>
             <a:fld id="{D789574A-8875-45EF-8EA2-3CAA0F7ABC4C}" type="datetimeFigureOut">
               <a:rPr lang="en-US" dirty="0"/>
-              <a:t>11/17/2017</a:t>
+              <a:t>11/20/2017</a:t>
             </a:fld>
             <a:endParaRPr lang="en-US" dirty="0"/>
           </a:p>
@@ -19154,7 +19153,7 @@
           <a:p>
             <a:fld id="{67EF4D4C-5367-4C26-9E2B-D8088D7FCA81}" type="datetimeFigureOut">
               <a:rPr lang="en-US" dirty="0"/>
-              <a:t>11/17/2017</a:t>
+              <a:t>11/20/2017</a:t>
             </a:fld>
             <a:endParaRPr lang="en-US" dirty="0"/>
           </a:p>
@@ -19244,7 +19243,7 @@
           <a:p>
             <a:fld id="{56E91E96-98B0-4413-9547-46F3504108EF}" type="datetimeFigureOut">
               <a:rPr lang="en-US" dirty="0"/>
-              <a:t>11/17/2017</a:t>
+              <a:t>11/20/2017</a:t>
             </a:fld>
             <a:endParaRPr lang="en-US" dirty="0"/>
           </a:p>
@@ -19529,7 +19528,7 @@
           <a:p>
             <a:fld id="{05C68B11-C5A8-448C-8CE9-B1A273C79CFC}" type="datetimeFigureOut">
               <a:rPr lang="en-US" dirty="0"/>
-              <a:t>11/17/2017</a:t>
+              <a:t>11/20/2017</a:t>
             </a:fld>
             <a:endParaRPr lang="en-US" dirty="0"/>
           </a:p>
@@ -19804,7 +19803,7 @@
           <a:p>
             <a:fld id="{C7616CA0-919D-4A49-9C8A-62FDFB3A5183}" type="datetimeFigureOut">
               <a:rPr lang="en-US" dirty="0"/>
-              <a:t>11/17/2017</a:t>
+              <a:t>11/20/2017</a:t>
             </a:fld>
             <a:endParaRPr lang="en-US" dirty="0"/>
           </a:p>
@@ -20050,7 +20049,7 @@
             <a:fld id="{90298CD5-6C1E-4009-B41F-6DF62E31D3BE}" type="datetimeFigureOut">
               <a:rPr lang="en-US" dirty="0"/>
               <a:pPr/>
-              <a:t>11/17/2017</a:t>
+              <a:t>11/20/2017</a:t>
             </a:fld>
             <a:endParaRPr lang="en-US" dirty="0"/>
           </a:p>
@@ -20643,13 +20642,60 @@
           <a:lstStyle/>
           <a:p>
             <a:r>
-              <a:rPr lang="sv-SE" dirty="0" err="1" smtClean="0"/>
-              <a:t>oVERVIEW</a:t>
+              <a:rPr lang="sv-SE" dirty="0" smtClean="0"/>
+              <a:t>Visual Interfaces</a:t>
             </a:r>
             <a:endParaRPr lang="sv-SE" dirty="0"/>
           </a:p>
         </p:txBody>
       </p:sp>
+      <p:pic>
+        <p:nvPicPr>
+          <p:cNvPr id="4" name="Picture 3"/>
+          <p:cNvPicPr>
+            <a:picLocks noChangeAspect="1"/>
+          </p:cNvPicPr>
+          <p:nvPr/>
+        </p:nvPicPr>
+        <p:blipFill>
+          <a:blip r:embed="rId2"/>
+          <a:stretch>
+            <a:fillRect/>
+          </a:stretch>
+        </p:blipFill>
+        <p:spPr>
+          <a:xfrm>
+            <a:off x="5543341" y="1786919"/>
+            <a:ext cx="6330463" cy="3429001"/>
+          </a:xfrm>
+          <a:prstGeom prst="rect">
+            <a:avLst/>
+          </a:prstGeom>
+        </p:spPr>
+      </p:pic>
+      <p:pic>
+        <p:nvPicPr>
+          <p:cNvPr id="7" name="Picture 6"/>
+          <p:cNvPicPr>
+            <a:picLocks noChangeAspect="1"/>
+          </p:cNvPicPr>
+          <p:nvPr/>
+        </p:nvPicPr>
+        <p:blipFill rotWithShape="1">
+          <a:blip r:embed="rId3"/>
+          <a:srcRect l="28431" t="24657" r="23450" b="24565"/>
+          <a:stretch/>
+        </p:blipFill>
+        <p:spPr>
+          <a:xfrm>
+            <a:off x="770620" y="1916363"/>
+            <a:ext cx="3498967" cy="2000011"/>
+          </a:xfrm>
+          <a:prstGeom prst="rect">
+            <a:avLst/>
+          </a:prstGeom>
+        </p:spPr>
+      </p:pic>
       <p:pic>
         <p:nvPicPr>
           <p:cNvPr id="5" name="Picture 4"/>
@@ -20658,15 +20704,16 @@
           </p:cNvPicPr>
           <p:nvPr/>
         </p:nvPicPr>
-        <p:blipFill rotWithShape="1">
-          <a:blip r:embed="rId2"/>
-          <a:srcRect l="21194" t="16017" r="39041" b="17002"/>
-          <a:stretch/>
+        <p:blipFill>
+          <a:blip r:embed="rId4"/>
+          <a:stretch>
+            <a:fillRect/>
+          </a:stretch>
         </p:blipFill>
         <p:spPr>
           <a:xfrm>
-            <a:off x="3598334" y="1557867"/>
-            <a:ext cx="5122333" cy="4673600"/>
+            <a:off x="2814339" y="2916369"/>
+            <a:ext cx="4591050" cy="3448050"/>
           </a:xfrm>
           <a:prstGeom prst="rect">
             <a:avLst/>
@@ -20676,7 +20723,7 @@
     </p:spTree>
     <p:extLst>
       <p:ext uri="{BB962C8B-B14F-4D97-AF65-F5344CB8AC3E}">
-        <p14:creationId xmlns:p14="http://schemas.microsoft.com/office/powerpoint/2010/main" val="2400554800"/>
+        <p14:creationId xmlns:p14="http://schemas.microsoft.com/office/powerpoint/2010/main" val="1488154045"/>
       </p:ext>
     </p:extLst>
   </p:cSld>
@@ -20726,37 +20773,12 @@
           <a:lstStyle/>
           <a:p>
             <a:r>
-              <a:rPr lang="sv-SE" dirty="0" smtClean="0"/>
-              <a:t>Visual Interfaces</a:t>
+              <a:rPr lang="sv-SE" dirty="0"/>
+              <a:t>Reservation system implementation</a:t>
             </a:r>
-            <a:endParaRPr lang="sv-SE" dirty="0"/>
           </a:p>
         </p:txBody>
       </p:sp>
-      <p:pic>
-        <p:nvPicPr>
-          <p:cNvPr id="4" name="Picture 3"/>
-          <p:cNvPicPr>
-            <a:picLocks noChangeAspect="1"/>
-          </p:cNvPicPr>
-          <p:nvPr/>
-        </p:nvPicPr>
-        <p:blipFill>
-          <a:blip r:embed="rId2"/>
-          <a:stretch>
-            <a:fillRect/>
-          </a:stretch>
-        </p:blipFill>
-        <p:spPr>
-          <a:xfrm>
-            <a:off x="5576592" y="2510125"/>
-            <a:ext cx="6330463" cy="3429001"/>
-          </a:xfrm>
-          <a:prstGeom prst="rect">
-            <a:avLst/>
-          </a:prstGeom>
-        </p:spPr>
-      </p:pic>
       <p:pic>
         <p:nvPicPr>
           <p:cNvPr id="5" name="Picture 4"/>
@@ -20765,50 +20787,180 @@
           </p:cNvPicPr>
           <p:nvPr/>
         </p:nvPicPr>
-        <p:blipFill>
-          <a:blip r:embed="rId3"/>
-          <a:stretch>
-            <a:fillRect/>
-          </a:stretch>
+        <p:blipFill rotWithShape="1">
+          <a:blip r:embed="rId2"/>
+          <a:srcRect l="34184" t="21625" r="25694" b="14663"/>
+          <a:stretch/>
         </p:blipFill>
         <p:spPr>
           <a:xfrm>
-            <a:off x="2814339" y="2916369"/>
-            <a:ext cx="4591050" cy="3448050"/>
+            <a:off x="785245" y="1592749"/>
+            <a:ext cx="6121399" cy="5265251"/>
           </a:xfrm>
           <a:prstGeom prst="rect">
             <a:avLst/>
           </a:prstGeom>
         </p:spPr>
       </p:pic>
-      <p:pic>
-        <p:nvPicPr>
-          <p:cNvPr id="6" name="Picture 5"/>
-          <p:cNvPicPr>
-            <a:picLocks noChangeAspect="1"/>
-          </p:cNvPicPr>
+      <p:sp>
+        <p:nvSpPr>
+          <p:cNvPr id="6" name="TextBox 5"/>
+          <p:cNvSpPr txBox="1"/>
           <p:nvPr/>
-        </p:nvPicPr>
-        <p:blipFill>
-          <a:blip r:embed="rId4"/>
-          <a:stretch>
-            <a:fillRect/>
-          </a:stretch>
-        </p:blipFill>
+        </p:nvSpPr>
         <p:spPr>
           <a:xfrm>
-            <a:off x="760958" y="2015066"/>
-            <a:ext cx="4646298" cy="2429933"/>
+            <a:off x="6906644" y="1892036"/>
+            <a:ext cx="2826328" cy="1015663"/>
           </a:xfrm>
           <a:prstGeom prst="rect">
             <a:avLst/>
           </a:prstGeom>
+          <a:noFill/>
         </p:spPr>
-      </p:pic>
+        <p:txBody>
+          <a:bodyPr wrap="square" rtlCol="0">
+            <a:spAutoFit/>
+          </a:bodyPr>
+          <a:lstStyle/>
+          <a:p>
+            <a:r>
+              <a:rPr lang="sv-SE" sz="1000" dirty="0" err="1" smtClean="0">
+                <a:latin typeface="Arial" panose="020B0604020202020204" pitchFamily="34" charset="0"/>
+                <a:cs typeface="Arial" panose="020B0604020202020204" pitchFamily="34" charset="0"/>
+              </a:rPr>
+              <a:t>Threads</a:t>
+            </a:r>
+            <a:r>
+              <a:rPr lang="sv-SE" sz="1000" dirty="0" smtClean="0">
+                <a:latin typeface="Arial" panose="020B0604020202020204" pitchFamily="34" charset="0"/>
+                <a:cs typeface="Arial" panose="020B0604020202020204" pitchFamily="34" charset="0"/>
+              </a:rPr>
+              <a:t> </a:t>
+            </a:r>
+            <a:r>
+              <a:rPr lang="sv-SE" sz="1000" dirty="0" err="1" smtClean="0">
+                <a:latin typeface="Arial" panose="020B0604020202020204" pitchFamily="34" charset="0"/>
+                <a:cs typeface="Arial" panose="020B0604020202020204" pitchFamily="34" charset="0"/>
+              </a:rPr>
+              <a:t>of</a:t>
+            </a:r>
+            <a:r>
+              <a:rPr lang="sv-SE" sz="1000" dirty="0" smtClean="0">
+                <a:latin typeface="Arial" panose="020B0604020202020204" pitchFamily="34" charset="0"/>
+                <a:cs typeface="Arial" panose="020B0604020202020204" pitchFamily="34" charset="0"/>
+              </a:rPr>
+              <a:t> </a:t>
+            </a:r>
+            <a:r>
+              <a:rPr lang="sv-SE" sz="1000" dirty="0" err="1" smtClean="0">
+                <a:latin typeface="Arial" panose="020B0604020202020204" pitchFamily="34" charset="0"/>
+                <a:cs typeface="Arial" panose="020B0604020202020204" pitchFamily="34" charset="0"/>
+              </a:rPr>
+              <a:t>Airplane</a:t>
+            </a:r>
+            <a:r>
+              <a:rPr lang="sv-SE" sz="1000" dirty="0" smtClean="0">
+                <a:latin typeface="Arial" panose="020B0604020202020204" pitchFamily="34" charset="0"/>
+                <a:cs typeface="Arial" panose="020B0604020202020204" pitchFamily="34" charset="0"/>
+              </a:rPr>
+              <a:t> (Status)</a:t>
+            </a:r>
+          </a:p>
+          <a:p>
+            <a:pPr marL="285750" indent="-285750">
+              <a:buFontTx/>
+              <a:buChar char="-"/>
+            </a:pPr>
+            <a:r>
+              <a:rPr lang="sv-SE" sz="1000" dirty="0" err="1">
+                <a:latin typeface="Arial" panose="020B0604020202020204" pitchFamily="34" charset="0"/>
+                <a:cs typeface="Arial" panose="020B0604020202020204" pitchFamily="34" charset="0"/>
+              </a:rPr>
+              <a:t>Refuel</a:t>
+            </a:r>
+            <a:endParaRPr lang="sv-SE" sz="1000" dirty="0" smtClean="0">
+              <a:latin typeface="Arial" panose="020B0604020202020204" pitchFamily="34" charset="0"/>
+              <a:cs typeface="Arial" panose="020B0604020202020204" pitchFamily="34" charset="0"/>
+            </a:endParaRPr>
+          </a:p>
+          <a:p>
+            <a:pPr marL="285750" indent="-285750">
+              <a:buFontTx/>
+              <a:buChar char="-"/>
+            </a:pPr>
+            <a:r>
+              <a:rPr lang="sv-SE" sz="1000" dirty="0" err="1" smtClean="0">
+                <a:latin typeface="Arial" panose="020B0604020202020204" pitchFamily="34" charset="0"/>
+                <a:cs typeface="Arial" panose="020B0604020202020204" pitchFamily="34" charset="0"/>
+              </a:rPr>
+              <a:t>Available</a:t>
+            </a:r>
+            <a:endParaRPr lang="sv-SE" sz="1000" dirty="0" smtClean="0">
+              <a:latin typeface="Arial" panose="020B0604020202020204" pitchFamily="34" charset="0"/>
+              <a:cs typeface="Arial" panose="020B0604020202020204" pitchFamily="34" charset="0"/>
+            </a:endParaRPr>
+          </a:p>
+          <a:p>
+            <a:pPr marL="285750" indent="-285750">
+              <a:buFontTx/>
+              <a:buChar char="-"/>
+            </a:pPr>
+            <a:r>
+              <a:rPr lang="sv-SE" sz="1000" dirty="0" err="1" smtClean="0">
+                <a:latin typeface="Arial" panose="020B0604020202020204" pitchFamily="34" charset="0"/>
+                <a:cs typeface="Arial" panose="020B0604020202020204" pitchFamily="34" charset="0"/>
+              </a:rPr>
+              <a:t>Reserved</a:t>
+            </a:r>
+            <a:endParaRPr lang="sv-SE" sz="1000" dirty="0" smtClean="0">
+              <a:latin typeface="Arial" panose="020B0604020202020204" pitchFamily="34" charset="0"/>
+              <a:cs typeface="Arial" panose="020B0604020202020204" pitchFamily="34" charset="0"/>
+            </a:endParaRPr>
+          </a:p>
+          <a:p>
+            <a:pPr marL="285750" indent="-285750">
+              <a:buFontTx/>
+              <a:buChar char="-"/>
+            </a:pPr>
+            <a:r>
+              <a:rPr lang="sv-SE" sz="1000" dirty="0" err="1" smtClean="0">
+                <a:latin typeface="Arial" panose="020B0604020202020204" pitchFamily="34" charset="0"/>
+                <a:cs typeface="Arial" panose="020B0604020202020204" pitchFamily="34" charset="0"/>
+              </a:rPr>
+              <a:t>Take</a:t>
+            </a:r>
+            <a:r>
+              <a:rPr lang="sv-SE" sz="1000" dirty="0" smtClean="0">
+                <a:latin typeface="Arial" panose="020B0604020202020204" pitchFamily="34" charset="0"/>
+                <a:cs typeface="Arial" panose="020B0604020202020204" pitchFamily="34" charset="0"/>
+              </a:rPr>
+              <a:t>-off</a:t>
+            </a:r>
+          </a:p>
+          <a:p>
+            <a:pPr marL="285750" indent="-285750">
+              <a:buFontTx/>
+              <a:buChar char="-"/>
+            </a:pPr>
+            <a:r>
+              <a:rPr lang="sv-SE" sz="1000" dirty="0" err="1" smtClean="0">
+                <a:latin typeface="Arial" panose="020B0604020202020204" pitchFamily="34" charset="0"/>
+                <a:cs typeface="Arial" panose="020B0604020202020204" pitchFamily="34" charset="0"/>
+              </a:rPr>
+              <a:t>Landed</a:t>
+            </a:r>
+            <a:endParaRPr lang="sv-SE" sz="1000" dirty="0" smtClean="0">
+              <a:latin typeface="Arial" panose="020B0604020202020204" pitchFamily="34" charset="0"/>
+              <a:cs typeface="Arial" panose="020B0604020202020204" pitchFamily="34" charset="0"/>
+            </a:endParaRPr>
+          </a:p>
+        </p:txBody>
+      </p:sp>
     </p:spTree>
     <p:extLst>
       <p:ext uri="{BB962C8B-B14F-4D97-AF65-F5344CB8AC3E}">
-        <p14:creationId xmlns:p14="http://schemas.microsoft.com/office/powerpoint/2010/main" val="1488154045"/>
+        <p14:creationId xmlns:p14="http://schemas.microsoft.com/office/powerpoint/2010/main" val="3003342311"/>
       </p:ext>
     </p:extLst>
   </p:cSld>
@@ -20826,422 +20978,6 @@
 </file>
 
 <file path=ppt/slides/slide4.xml><?xml version="1.0" encoding="utf-8"?>
-<p:sld xmlns:a="http://schemas.openxmlformats.org/drawingml/2006/main" xmlns:r="http://schemas.openxmlformats.org/officeDocument/2006/relationships" xmlns:p="http://schemas.openxmlformats.org/presentationml/2006/main">
-  <p:cSld>
-    <p:spTree>
-      <p:nvGrpSpPr>
-        <p:cNvPr id="1" name=""/>
-        <p:cNvGrpSpPr/>
-        <p:nvPr/>
-      </p:nvGrpSpPr>
-      <p:grpSpPr>
-        <a:xfrm>
-          <a:off x="0" y="0"/>
-          <a:ext cx="0" cy="0"/>
-          <a:chOff x="0" y="0"/>
-          <a:chExt cx="0" cy="0"/>
-        </a:xfrm>
-      </p:grpSpPr>
-      <p:pic>
-        <p:nvPicPr>
-          <p:cNvPr id="19" name="Picture 18"/>
-          <p:cNvPicPr>
-            <a:picLocks noChangeAspect="1"/>
-          </p:cNvPicPr>
-          <p:nvPr/>
-        </p:nvPicPr>
-        <p:blipFill>
-          <a:blip r:embed="rId2"/>
-          <a:stretch>
-            <a:fillRect/>
-          </a:stretch>
-        </p:blipFill>
-        <p:spPr>
-          <a:xfrm>
-            <a:off x="1050056" y="4121384"/>
-            <a:ext cx="3548068" cy="2392505"/>
-          </a:xfrm>
-          <a:prstGeom prst="rect">
-            <a:avLst/>
-          </a:prstGeom>
-        </p:spPr>
-      </p:pic>
-      <p:sp>
-        <p:nvSpPr>
-          <p:cNvPr id="2" name="Title 1"/>
-          <p:cNvSpPr>
-            <a:spLocks noGrp="1"/>
-          </p:cNvSpPr>
-          <p:nvPr>
-            <p:ph type="title"/>
-          </p:nvPr>
-        </p:nvSpPr>
-        <p:spPr/>
-        <p:txBody>
-          <a:bodyPr/>
-          <a:lstStyle/>
-          <a:p>
-            <a:r>
-              <a:rPr lang="sv-SE" dirty="0" smtClean="0"/>
-              <a:t>Reservation system implementation</a:t>
-            </a:r>
-            <a:endParaRPr lang="sv-SE" dirty="0"/>
-          </a:p>
-        </p:txBody>
-      </p:sp>
-      <p:pic>
-        <p:nvPicPr>
-          <p:cNvPr id="10" name="Picture 9"/>
-          <p:cNvPicPr>
-            <a:picLocks noChangeAspect="1"/>
-          </p:cNvPicPr>
-          <p:nvPr/>
-        </p:nvPicPr>
-        <p:blipFill>
-          <a:blip r:embed="rId3"/>
-          <a:stretch>
-            <a:fillRect/>
-          </a:stretch>
-        </p:blipFill>
-        <p:spPr>
-          <a:xfrm>
-            <a:off x="1689902" y="1573607"/>
-            <a:ext cx="1952625" cy="2438400"/>
-          </a:xfrm>
-          <a:prstGeom prst="rect">
-            <a:avLst/>
-          </a:prstGeom>
-        </p:spPr>
-      </p:pic>
-      <p:pic>
-        <p:nvPicPr>
-          <p:cNvPr id="11" name="Picture 10"/>
-          <p:cNvPicPr>
-            <a:picLocks noChangeAspect="1"/>
-          </p:cNvPicPr>
-          <p:nvPr/>
-        </p:nvPicPr>
-        <p:blipFill>
-          <a:blip r:embed="rId4"/>
-          <a:stretch>
-            <a:fillRect/>
-          </a:stretch>
-        </p:blipFill>
-        <p:spPr>
-          <a:xfrm>
-            <a:off x="5103224" y="1568766"/>
-            <a:ext cx="1952625" cy="2247900"/>
-          </a:xfrm>
-          <a:prstGeom prst="rect">
-            <a:avLst/>
-          </a:prstGeom>
-        </p:spPr>
-      </p:pic>
-      <p:pic>
-        <p:nvPicPr>
-          <p:cNvPr id="12" name="Picture 11"/>
-          <p:cNvPicPr>
-            <a:picLocks noChangeAspect="1"/>
-          </p:cNvPicPr>
-          <p:nvPr/>
-        </p:nvPicPr>
-        <p:blipFill>
-          <a:blip r:embed="rId5"/>
-          <a:stretch>
-            <a:fillRect/>
-          </a:stretch>
-        </p:blipFill>
-        <p:spPr>
-          <a:xfrm>
-            <a:off x="5111933" y="3760283"/>
-            <a:ext cx="1990725" cy="2428875"/>
-          </a:xfrm>
-          <a:prstGeom prst="rect">
-            <a:avLst/>
-          </a:prstGeom>
-        </p:spPr>
-      </p:pic>
-      <p:pic>
-        <p:nvPicPr>
-          <p:cNvPr id="13" name="Picture 12"/>
-          <p:cNvPicPr>
-            <a:picLocks noChangeAspect="1"/>
-          </p:cNvPicPr>
-          <p:nvPr/>
-        </p:nvPicPr>
-        <p:blipFill>
-          <a:blip r:embed="rId6"/>
-          <a:stretch>
-            <a:fillRect/>
-          </a:stretch>
-        </p:blipFill>
-        <p:spPr>
-          <a:xfrm>
-            <a:off x="7646194" y="3798912"/>
-            <a:ext cx="1876425" cy="2238375"/>
-          </a:xfrm>
-          <a:prstGeom prst="rect">
-            <a:avLst/>
-          </a:prstGeom>
-        </p:spPr>
-      </p:pic>
-      <p:sp>
-        <p:nvSpPr>
-          <p:cNvPr id="14" name="Right Arrow 13"/>
-          <p:cNvSpPr/>
-          <p:nvPr/>
-        </p:nvSpPr>
-        <p:spPr>
-          <a:xfrm>
-            <a:off x="3872546" y="2678129"/>
-            <a:ext cx="420664" cy="304800"/>
-          </a:xfrm>
-          <a:prstGeom prst="rightArrow">
-            <a:avLst/>
-          </a:prstGeom>
-        </p:spPr>
-        <p:style>
-          <a:lnRef idx="2">
-            <a:schemeClr val="accent1">
-              <a:shade val="50000"/>
-            </a:schemeClr>
-          </a:lnRef>
-          <a:fillRef idx="1">
-            <a:schemeClr val="accent1"/>
-          </a:fillRef>
-          <a:effectRef idx="0">
-            <a:schemeClr val="accent1"/>
-          </a:effectRef>
-          <a:fontRef idx="minor">
-            <a:schemeClr val="lt1"/>
-          </a:fontRef>
-        </p:style>
-        <p:txBody>
-          <a:bodyPr rtlCol="0" anchor="ctr"/>
-          <a:lstStyle/>
-          <a:p>
-            <a:pPr algn="ctr"/>
-            <a:endParaRPr lang="sv-SE"/>
-          </a:p>
-        </p:txBody>
-      </p:sp>
-      <p:sp>
-        <p:nvSpPr>
-          <p:cNvPr id="15" name="Right Arrow 14"/>
-          <p:cNvSpPr/>
-          <p:nvPr/>
-        </p:nvSpPr>
-        <p:spPr>
-          <a:xfrm rot="1372691">
-            <a:off x="3909508" y="4036383"/>
-            <a:ext cx="420664" cy="304800"/>
-          </a:xfrm>
-          <a:prstGeom prst="rightArrow">
-            <a:avLst/>
-          </a:prstGeom>
-        </p:spPr>
-        <p:style>
-          <a:lnRef idx="2">
-            <a:schemeClr val="accent1">
-              <a:shade val="50000"/>
-            </a:schemeClr>
-          </a:lnRef>
-          <a:fillRef idx="1">
-            <a:schemeClr val="accent1"/>
-          </a:fillRef>
-          <a:effectRef idx="0">
-            <a:schemeClr val="accent1"/>
-          </a:effectRef>
-          <a:fontRef idx="minor">
-            <a:schemeClr val="lt1"/>
-          </a:fontRef>
-        </p:style>
-        <p:txBody>
-          <a:bodyPr rtlCol="0" anchor="ctr"/>
-          <a:lstStyle/>
-          <a:p>
-            <a:pPr algn="ctr"/>
-            <a:endParaRPr lang="sv-SE"/>
-          </a:p>
-        </p:txBody>
-      </p:sp>
-      <p:sp>
-        <p:nvSpPr>
-          <p:cNvPr id="16" name="Right Arrow 15"/>
-          <p:cNvSpPr/>
-          <p:nvPr/>
-        </p:nvSpPr>
-        <p:spPr>
-          <a:xfrm>
-            <a:off x="7124430" y="4381281"/>
-            <a:ext cx="420664" cy="304800"/>
-          </a:xfrm>
-          <a:prstGeom prst="rightArrow">
-            <a:avLst/>
-          </a:prstGeom>
-        </p:spPr>
-        <p:style>
-          <a:lnRef idx="2">
-            <a:schemeClr val="accent1">
-              <a:shade val="50000"/>
-            </a:schemeClr>
-          </a:lnRef>
-          <a:fillRef idx="1">
-            <a:schemeClr val="accent1"/>
-          </a:fillRef>
-          <a:effectRef idx="0">
-            <a:schemeClr val="accent1"/>
-          </a:effectRef>
-          <a:fontRef idx="minor">
-            <a:schemeClr val="lt1"/>
-          </a:fontRef>
-        </p:style>
-        <p:txBody>
-          <a:bodyPr rtlCol="0" anchor="ctr"/>
-          <a:lstStyle/>
-          <a:p>
-            <a:pPr algn="ctr"/>
-            <a:endParaRPr lang="sv-SE"/>
-          </a:p>
-        </p:txBody>
-      </p:sp>
-      <p:pic>
-        <p:nvPicPr>
-          <p:cNvPr id="18" name="Picture 17"/>
-          <p:cNvPicPr>
-            <a:picLocks noChangeAspect="1"/>
-          </p:cNvPicPr>
-          <p:nvPr/>
-        </p:nvPicPr>
-        <p:blipFill>
-          <a:blip r:embed="rId7"/>
-          <a:stretch>
-            <a:fillRect/>
-          </a:stretch>
-        </p:blipFill>
-        <p:spPr>
-          <a:xfrm>
-            <a:off x="773817" y="3542537"/>
-            <a:ext cx="1183385" cy="686860"/>
-          </a:xfrm>
-          <a:prstGeom prst="rect">
-            <a:avLst/>
-          </a:prstGeom>
-        </p:spPr>
-      </p:pic>
-      <p:sp>
-        <p:nvSpPr>
-          <p:cNvPr id="3" name="TextBox 2"/>
-          <p:cNvSpPr txBox="1"/>
-          <p:nvPr/>
-        </p:nvSpPr>
-        <p:spPr>
-          <a:xfrm>
-            <a:off x="773817" y="4328389"/>
-            <a:ext cx="1198548" cy="646331"/>
-          </a:xfrm>
-          <a:prstGeom prst="rect">
-            <a:avLst/>
-          </a:prstGeom>
-          <a:noFill/>
-        </p:spPr>
-        <p:txBody>
-          <a:bodyPr wrap="square" rtlCol="0">
-            <a:spAutoFit/>
-          </a:bodyPr>
-          <a:lstStyle/>
-          <a:p>
-            <a:r>
-              <a:rPr lang="sv-SE" dirty="0" smtClean="0"/>
-              <a:t>Interface?</a:t>
-            </a:r>
-          </a:p>
-          <a:p>
-            <a:r>
-              <a:rPr lang="sv-SE" dirty="0" smtClean="0"/>
-              <a:t>Abstract?</a:t>
-            </a:r>
-            <a:endParaRPr lang="sv-SE" dirty="0"/>
-          </a:p>
-        </p:txBody>
-      </p:sp>
-      <p:sp>
-        <p:nvSpPr>
-          <p:cNvPr id="4" name="Rectangle 3"/>
-          <p:cNvSpPr/>
-          <p:nvPr/>
-        </p:nvSpPr>
-        <p:spPr>
-          <a:xfrm>
-            <a:off x="5123040" y="6004492"/>
-            <a:ext cx="2749855" cy="646331"/>
-          </a:xfrm>
-          <a:prstGeom prst="rect">
-            <a:avLst/>
-          </a:prstGeom>
-        </p:spPr>
-        <p:txBody>
-          <a:bodyPr wrap="none">
-            <a:spAutoFit/>
-          </a:bodyPr>
-          <a:lstStyle/>
-          <a:p>
-            <a:r>
-              <a:rPr lang="sv-SE" dirty="0" err="1" smtClean="0"/>
-              <a:t>Thread</a:t>
-            </a:r>
-            <a:r>
-              <a:rPr lang="sv-SE" dirty="0" smtClean="0"/>
-              <a:t>, status </a:t>
-            </a:r>
-            <a:r>
-              <a:rPr lang="sv-SE" dirty="0" err="1" smtClean="0"/>
-              <a:t>of</a:t>
-            </a:r>
-            <a:r>
-              <a:rPr lang="sv-SE" dirty="0" smtClean="0"/>
-              <a:t> flight</a:t>
-            </a:r>
-          </a:p>
-          <a:p>
-            <a:r>
-              <a:rPr lang="sv-SE" dirty="0" err="1" smtClean="0"/>
-              <a:t>Take</a:t>
-            </a:r>
-            <a:r>
-              <a:rPr lang="sv-SE" dirty="0" smtClean="0"/>
-              <a:t> off switch </a:t>
-            </a:r>
-            <a:r>
-              <a:rPr lang="sv-SE" dirty="0" err="1" smtClean="0"/>
-              <a:t>origion</a:t>
-            </a:r>
-            <a:r>
-              <a:rPr lang="sv-SE" dirty="0" smtClean="0"/>
-              <a:t>/</a:t>
-            </a:r>
-            <a:r>
-              <a:rPr lang="sv-SE" dirty="0" err="1" smtClean="0"/>
-              <a:t>dest</a:t>
-            </a:r>
-            <a:endParaRPr lang="sv-SE" dirty="0"/>
-          </a:p>
-        </p:txBody>
-      </p:sp>
-    </p:spTree>
-    <p:extLst>
-      <p:ext uri="{BB962C8B-B14F-4D97-AF65-F5344CB8AC3E}">
-        <p14:creationId xmlns:p14="http://schemas.microsoft.com/office/powerpoint/2010/main" val="3587413362"/>
-      </p:ext>
-    </p:extLst>
-  </p:cSld>
-  <p:clrMapOvr>
-    <a:masterClrMapping/>
-  </p:clrMapOvr>
-</p:sld>
-</file>
-
-<file path=ppt/slides/slide5.xml><?xml version="1.0" encoding="utf-8"?>
 <p:sld xmlns:a="http://schemas.openxmlformats.org/drawingml/2006/main" xmlns:r="http://schemas.openxmlformats.org/officeDocument/2006/relationships" xmlns:p="http://schemas.openxmlformats.org/presentationml/2006/main">
   <p:cSld>
     <p:spTree>
@@ -21281,9 +21017,55 @@
           </a:p>
         </p:txBody>
       </p:sp>
+      <p:pic>
+        <p:nvPicPr>
+          <p:cNvPr id="5" name="Picture 4"/>
+          <p:cNvPicPr>
+            <a:picLocks noChangeAspect="1"/>
+          </p:cNvPicPr>
+          <p:nvPr/>
+        </p:nvPicPr>
+        <p:blipFill rotWithShape="1">
+          <a:blip r:embed="rId2"/>
+          <a:srcRect l="28431" t="24657" r="23450" b="24565"/>
+          <a:stretch/>
+        </p:blipFill>
+        <p:spPr>
+          <a:xfrm>
+            <a:off x="1177944" y="2084832"/>
+            <a:ext cx="7035800" cy="4021666"/>
+          </a:xfrm>
+          <a:prstGeom prst="rect">
+            <a:avLst/>
+          </a:prstGeom>
+        </p:spPr>
+      </p:pic>
+      <p:pic>
+        <p:nvPicPr>
+          <p:cNvPr id="9" name="Picture 8"/>
+          <p:cNvPicPr>
+            <a:picLocks noChangeAspect="1"/>
+          </p:cNvPicPr>
+          <p:nvPr/>
+        </p:nvPicPr>
+        <p:blipFill rotWithShape="1">
+          <a:blip r:embed="rId3"/>
+          <a:srcRect l="67314" t="13590" r="3750" b="53932"/>
+          <a:stretch/>
+        </p:blipFill>
+        <p:spPr>
+          <a:xfrm>
+            <a:off x="6382927" y="1566086"/>
+            <a:ext cx="5291666" cy="3217333"/>
+          </a:xfrm>
+          <a:prstGeom prst="rect">
+            <a:avLst/>
+          </a:prstGeom>
+        </p:spPr>
+      </p:pic>
       <p:sp>
         <p:nvSpPr>
-          <p:cNvPr id="3" name="Content Placeholder 2"/>
+          <p:cNvPr id="10" name="Content Placeholder 9"/>
           <p:cNvSpPr>
             <a:spLocks noGrp="1"/>
           </p:cNvSpPr>
@@ -21296,7 +21078,7 @@
           <a:bodyPr/>
           <a:lstStyle/>
           <a:p>
-            <a:endParaRPr lang="sv-SE"/>
+            <a:endParaRPr lang="sv-SE" dirty="0"/>
           </a:p>
         </p:txBody>
       </p:sp>
@@ -21310,6 +21092,13 @@
   <p:clrMapOvr>
     <a:masterClrMapping/>
   </p:clrMapOvr>
+  <p:timing>
+    <p:tnLst>
+      <p:par>
+        <p:cTn id="1" dur="indefinite" restart="never" nodeType="tmRoot"/>
+      </p:par>
+    </p:tnLst>
+  </p:timing>
 </p:sld>
 </file>
 

--- a/FLIGHTSYSTEM.pptx
+++ b/FLIGHTSYSTEM.pptx
@@ -20585,6 +20585,22 @@
           <a:bodyPr/>
           <a:lstStyle/>
           <a:p>
+            <a:r>
+              <a:rPr lang="sv-SE" dirty="0" smtClean="0"/>
+              <a:t>Bertil</a:t>
+            </a:r>
+          </a:p>
+          <a:p>
+            <a:r>
+              <a:rPr lang="sv-SE" dirty="0" smtClean="0"/>
+              <a:t>Khalid</a:t>
+            </a:r>
+          </a:p>
+          <a:p>
+            <a:r>
+              <a:rPr lang="sv-SE" smtClean="0"/>
+              <a:t>Prathusha</a:t>
+            </a:r>
             <a:endParaRPr lang="sv-SE" dirty="0"/>
           </a:p>
         </p:txBody>
